--- a/(PPT) Censo do r-futebol de Dezembro de 2022.pptx
+++ b/(PPT) Censo do r-futebol de Dezembro de 2022.pptx
@@ -8225,7 +8225,27 @@
                 <a:latin typeface="Arial" panose="020B0604020202020204" pitchFamily="34" charset="0"/>
                 <a:cs typeface="Arial" panose="020B0604020202020204" pitchFamily="34" charset="0"/>
               </a:rPr>
-              <a:t>. Ele é mais antigo do que 95% dos participantes do atual censo. Desde então, tivemos outro, inclusive um sob a atual moderação, em Agosto de 2020, quando vou chutar que tínhamos menos de 30,000 inscritos. Dois anos e três meses depois, o r/futebol estourou, e hoje temos mais de 230,000 inscritos.</a:t>
+              <a:t>. Ele é mais antigo do que 95% dos participantes do atual censo. </a:t>
+            </a:r>
+            <a:r>
+              <a:rPr lang="pt-BR" sz="1500">
+                <a:solidFill>
+                  <a:prstClr val="black"/>
+                </a:solidFill>
+                <a:latin typeface="Arial" panose="020B0604020202020204" pitchFamily="34" charset="0"/>
+                <a:cs typeface="Arial" panose="020B0604020202020204" pitchFamily="34" charset="0"/>
+              </a:rPr>
+              <a:t>Desde então </a:t>
+            </a:r>
+            <a:r>
+              <a:rPr lang="pt-BR" sz="1500" dirty="0">
+                <a:solidFill>
+                  <a:prstClr val="black"/>
+                </a:solidFill>
+                <a:latin typeface="Arial" panose="020B0604020202020204" pitchFamily="34" charset="0"/>
+                <a:cs typeface="Arial" panose="020B0604020202020204" pitchFamily="34" charset="0"/>
+              </a:rPr>
+              <a:t>tivemos outros, inclusive um sob a atual moderação, em Agosto de 2020, quando vou chutar que tínhamos menos de 30,000 inscritos. Dois anos e três meses depois, o r/futebol estourou, e hoje temos mais de 230,000 inscritos.</a:t>
             </a:r>
           </a:p>
           <a:p>
@@ -10560,7 +10580,7 @@
             <a:pPr algn="ctr"/>
             <a:r>
               <a:rPr lang="pt-BR" sz="2800" dirty="0"/>
-              <a:t>“Lendo a questão me veio uma pergunta, seria eu o único que jogou futebol de forma organizada sem ser pelada com os amigos?”</a:t>
+              <a:t>“Acompanhando o sub me veio uma pergunta, seria eu o único que jogou futebol de forma organizada sem ser pelada com os amigos?”</a:t>
             </a:r>
             <a:endParaRPr lang="en-US" sz="2800" dirty="0"/>
           </a:p>
